--- a/PPT/WEB3_call_SC.pptx
+++ b/PPT/WEB3_call_SC.pptx
@@ -277,7 +277,7 @@
           <a:p>
             <a:fld id="{48A87A34-81AB-432B-8DAE-1953F412C126}" type="datetimeFigureOut">
               <a:rPr lang="en-US" dirty="0"/>
-              <a:t>3/10/22</a:t>
+              <a:t>3/15/22</a:t>
             </a:fld>
             <a:endParaRPr lang="en-US" dirty="0"/>
           </a:p>
@@ -483,7 +483,7 @@
           <a:p>
             <a:fld id="{48A87A34-81AB-432B-8DAE-1953F412C126}" type="datetimeFigureOut">
               <a:rPr lang="en-US" dirty="0"/>
-              <a:t>3/10/22</a:t>
+              <a:t>3/15/22</a:t>
             </a:fld>
             <a:endParaRPr lang="en-US" dirty="0"/>
           </a:p>
@@ -693,7 +693,7 @@
           <a:p>
             <a:fld id="{48A87A34-81AB-432B-8DAE-1953F412C126}" type="datetimeFigureOut">
               <a:rPr lang="en-US" dirty="0"/>
-              <a:t>3/10/22</a:t>
+              <a:t>3/15/22</a:t>
             </a:fld>
             <a:endParaRPr lang="en-US" dirty="0"/>
           </a:p>
@@ -889,7 +889,7 @@
           <a:p>
             <a:fld id="{48A87A34-81AB-432B-8DAE-1953F412C126}" type="datetimeFigureOut">
               <a:rPr lang="en-US" dirty="0"/>
-              <a:t>3/10/22</a:t>
+              <a:t>3/15/22</a:t>
             </a:fld>
             <a:endParaRPr lang="en-US" dirty="0"/>
           </a:p>
@@ -1163,7 +1163,7 @@
           <a:p>
             <a:fld id="{48A87A34-81AB-432B-8DAE-1953F412C126}" type="datetimeFigureOut">
               <a:rPr lang="en-US" dirty="0"/>
-              <a:t>3/10/22</a:t>
+              <a:t>3/15/22</a:t>
             </a:fld>
             <a:endParaRPr lang="en-US" dirty="0"/>
           </a:p>
@@ -1426,7 +1426,7 @@
           <a:p>
             <a:fld id="{48A87A34-81AB-432B-8DAE-1953F412C126}" type="datetimeFigureOut">
               <a:rPr lang="en-US" dirty="0"/>
-              <a:t>3/10/22</a:t>
+              <a:t>3/15/22</a:t>
             </a:fld>
             <a:endParaRPr lang="en-US" dirty="0"/>
           </a:p>
@@ -1837,7 +1837,7 @@
           <a:p>
             <a:fld id="{48A87A34-81AB-432B-8DAE-1953F412C126}" type="datetimeFigureOut">
               <a:rPr lang="en-US" dirty="0"/>
-              <a:t>3/10/22</a:t>
+              <a:t>3/15/22</a:t>
             </a:fld>
             <a:endParaRPr lang="en-US" dirty="0"/>
           </a:p>
@@ -1981,7 +1981,7 @@
           <a:p>
             <a:fld id="{48A87A34-81AB-432B-8DAE-1953F412C126}" type="datetimeFigureOut">
               <a:rPr lang="en-US" dirty="0"/>
-              <a:t>3/10/22</a:t>
+              <a:t>3/15/22</a:t>
             </a:fld>
             <a:endParaRPr lang="en-US" dirty="0"/>
           </a:p>
@@ -2102,7 +2102,7 @@
           <a:p>
             <a:fld id="{48A87A34-81AB-432B-8DAE-1953F412C126}" type="datetimeFigureOut">
               <a:rPr lang="en-US" dirty="0"/>
-              <a:t>3/10/22</a:t>
+              <a:t>3/15/22</a:t>
             </a:fld>
             <a:endParaRPr lang="en-US" dirty="0"/>
           </a:p>
@@ -2348,7 +2348,7 @@
           <a:p>
             <a:fld id="{48A87A34-81AB-432B-8DAE-1953F412C126}" type="datetimeFigureOut">
               <a:rPr lang="en-US" dirty="0"/>
-              <a:t>3/10/22</a:t>
+              <a:t>3/15/22</a:t>
             </a:fld>
             <a:endParaRPr lang="en-US" dirty="0"/>
           </a:p>
@@ -2789,7 +2789,7 @@
             <a:fld id="{48A87A34-81AB-432B-8DAE-1953F412C126}" type="datetimeFigureOut">
               <a:rPr lang="en-US" dirty="0"/>
               <a:pPr/>
-              <a:t>3/10/22</a:t>
+              <a:t>3/15/22</a:t>
             </a:fld>
             <a:endParaRPr lang="en-US" dirty="0"/>
           </a:p>
@@ -3112,7 +3112,7 @@
             <a:fld id="{48A87A34-81AB-432B-8DAE-1953F412C126}" type="datetimeFigureOut">
               <a:rPr lang="en-US" dirty="0"/>
               <a:pPr/>
-              <a:t>3/10/22</a:t>
+              <a:t>3/15/22</a:t>
             </a:fld>
             <a:endParaRPr lang="en-US" dirty="0"/>
           </a:p>
@@ -5884,8 +5884,13 @@
           <a:p>
             <a:r>
               <a:rPr lang="en" altLang="zh-TW" dirty="0"/>
-              <a:t>		var account = accounts[0];</a:t>
-            </a:r>
+              <a:t>		var account = accounts[0]; //</a:t>
+            </a:r>
+            <a:r>
+              <a:rPr lang="zh-TW" altLang="en-US" dirty="0"/>
+              <a:t>取的第一個帳號</a:t>
+            </a:r>
+            <a:endParaRPr lang="en" altLang="zh-TW" dirty="0"/>
           </a:p>
           <a:p>
             <a:r>
@@ -5929,7 +5934,26 @@
               <a:rPr lang="en" altLang="zh-TW" dirty="0"/>
               <a:t>()</a:t>
             </a:r>
-            <a:endParaRPr lang="zh-TW" altLang="en-US" dirty="0"/>
+            <a:r>
+              <a:rPr lang="zh-TW" altLang="en-US" dirty="0"/>
+              <a:t> </a:t>
+            </a:r>
+            <a:r>
+              <a:rPr lang="en-US" altLang="zh-TW" dirty="0"/>
+              <a:t>//</a:t>
+            </a:r>
+            <a:r>
+              <a:rPr lang="zh-TW" altLang="en-US" dirty="0"/>
+              <a:t>呼叫</a:t>
+            </a:r>
+            <a:r>
+              <a:rPr lang="en-US" altLang="zh-TW" dirty="0" err="1"/>
+              <a:t>getAccount</a:t>
+            </a:r>
+            <a:r>
+              <a:rPr lang="zh-TW" altLang="en-US" dirty="0"/>
+              <a:t>函數</a:t>
+            </a:r>
           </a:p>
         </p:txBody>
       </p:sp>
